--- a/Boosting Algorithm/Boosting Algorithm.pptx
+++ b/Boosting Algorithm/Boosting Algorithm.pptx
@@ -5,17 +5,17 @@
     <p:sldMasterId id="2147483648" r:id="rId1"/>
   </p:sldMasterIdLst>
   <p:notesMasterIdLst>
-    <p:notesMasterId r:id="rId11"/>
+    <p:notesMasterId r:id="rId10"/>
   </p:notesMasterIdLst>
   <p:sldIdLst>
-    <p:sldId id="256" r:id="rId3"/>
-    <p:sldId id="257" r:id="rId4"/>
-    <p:sldId id="260" r:id="rId5"/>
-    <p:sldId id="258" r:id="rId6"/>
-    <p:sldId id="259" r:id="rId7"/>
-    <p:sldId id="261" r:id="rId8"/>
-    <p:sldId id="262" r:id="rId9"/>
-    <p:sldId id="263" r:id="rId10"/>
+    <p:sldId id="256" r:id="rId2"/>
+    <p:sldId id="257" r:id="rId3"/>
+    <p:sldId id="260" r:id="rId4"/>
+    <p:sldId id="258" r:id="rId5"/>
+    <p:sldId id="259" r:id="rId6"/>
+    <p:sldId id="261" r:id="rId7"/>
+    <p:sldId id="262" r:id="rId8"/>
+    <p:sldId id="263" r:id="rId9"/>
   </p:sldIdLst>
   <p:sldSz cx="12192000" cy="6858000"/>
   <p:notesSz cx="6858000" cy="9144000"/>
@@ -114,6 +114,11 @@
       </a:defRPr>
     </a:lvl9pPr>
   </p:defaultTextStyle>
+  <p:extLst>
+    <p:ext uri="{EFAFB233-063F-42B5-8137-9DF3F51BA10A}">
+      <p15:sldGuideLst xmlns:p15="http://schemas.microsoft.com/office/powerpoint/2012/main"/>
+    </p:ext>
+  </p:extLst>
 </p:presentation>
 </file>
 
@@ -199,6 +204,7 @@
           <a:p>
             <a:fld id="{3EFD42F7-718C-4B98-AAEC-167E6DDD60A7}" type="datetimeFigureOut">
               <a:rPr lang="en-US" smtClean="0"/>
+              <a:t>1/20/2025</a:t>
             </a:fld>
             <a:endParaRPr lang="en-US"/>
           </a:p>
@@ -262,42 +268,37 @@
           <a:p>
             <a:pPr lvl="0"/>
             <a:r>
-              <a:rPr lang="en-US" smtClean="0"/>
+              <a:rPr lang="en-US"/>
               <a:t>Click to edit Master text styles</a:t>
             </a:r>
-            <a:endParaRPr lang="en-US" smtClean="0"/>
           </a:p>
           <a:p>
             <a:pPr lvl="1"/>
             <a:r>
-              <a:rPr lang="en-US" smtClean="0"/>
+              <a:rPr lang="en-US"/>
               <a:t>Second level</a:t>
             </a:r>
-            <a:endParaRPr lang="en-US" smtClean="0"/>
           </a:p>
           <a:p>
             <a:pPr lvl="2"/>
             <a:r>
-              <a:rPr lang="en-US" smtClean="0"/>
+              <a:rPr lang="en-US"/>
               <a:t>Third level</a:t>
             </a:r>
-            <a:endParaRPr lang="en-US" smtClean="0"/>
           </a:p>
           <a:p>
             <a:pPr lvl="3"/>
             <a:r>
-              <a:rPr lang="en-US" smtClean="0"/>
+              <a:rPr lang="en-US"/>
               <a:t>Fourth level</a:t>
             </a:r>
-            <a:endParaRPr lang="en-US" smtClean="0"/>
           </a:p>
           <a:p>
             <a:pPr lvl="4"/>
             <a:r>
-              <a:rPr lang="en-US" smtClean="0"/>
+              <a:rPr lang="en-US"/>
               <a:t>Fifth level</a:t>
             </a:r>
-            <a:endParaRPr lang="en-US"/>
           </a:p>
         </p:txBody>
       </p:sp>
@@ -361,6 +362,7 @@
           <a:p>
             <a:fld id="{21B2AA4F-B828-4D7C-AFD3-893933DAFCB4}" type="slidenum">
               <a:rPr lang="en-US" smtClean="0"/>
+              <a:t>‹#›</a:t>
             </a:fld>
             <a:endParaRPr lang="en-US"/>
           </a:p>
@@ -465,7 +467,7 @@
 </file>
 
 <file path=ppt/slideLayouts/slideLayout1.xml><?xml version="1.0" encoding="utf-8"?>
-<p:sldLayout xmlns:a="http://schemas.openxmlformats.org/drawingml/2006/main" xmlns:r="http://schemas.openxmlformats.org/officeDocument/2006/relationships" xmlns:p="http://schemas.openxmlformats.org/presentationml/2006/main" type="title" preserve="1" showMasterPhAnim="0" showMasterSp="0">
+<p:sldLayout xmlns:a="http://schemas.openxmlformats.org/drawingml/2006/main" xmlns:r="http://schemas.openxmlformats.org/officeDocument/2006/relationships" xmlns:p="http://schemas.openxmlformats.org/presentationml/2006/main" showMasterSp="0" showMasterPhAnim="0" type="title" preserve="1">
   <p:cSld name="Title Slide">
     <p:bg>
       <p:bgPr>
@@ -597,7 +599,7 @@
               <a:buNone/>
               <a:defRPr/>
             </a:pPr>
-            <a:endParaRPr kumimoji="0" lang="en-US" sz="1800" b="0" i="0" u="none" strike="noStrike" kern="1200" cap="none" spc="0" normalizeH="0" baseline="0" noProof="0" smtClean="0">
+            <a:endParaRPr kumimoji="0" lang="en-US" sz="1800" b="0" i="0" u="none" strike="noStrike" kern="1200" cap="none" spc="0" normalizeH="0" baseline="0" noProof="0">
               <a:ln>
                 <a:noFill/>
               </a:ln>
@@ -618,7 +620,7 @@
         <p:nvSpPr>
           <p:cNvPr id="2051" name="Rectangle 3"/>
           <p:cNvSpPr>
-            <a:spLocks noChangeArrowheads="1"/>
+            <a:spLocks noGrp="1" noChangeArrowheads="1"/>
           </p:cNvSpPr>
           <p:nvPr>
             <p:ph type="subTitle" idx="1"/>
@@ -642,10 +644,9 @@
           <a:p>
             <a:pPr lvl="0"/>
             <a:r>
-              <a:rPr lang="en-US" altLang="zh-CN" noProof="0" smtClean="0"/>
+              <a:rPr lang="en-US" altLang="zh-CN" noProof="0"/>
               <a:t>Click to edit Master subtitle style</a:t>
             </a:r>
-            <a:endParaRPr lang="en-US" altLang="zh-CN" noProof="0" smtClean="0"/>
           </a:p>
         </p:txBody>
       </p:sp>
@@ -653,7 +654,7 @@
         <p:nvSpPr>
           <p:cNvPr id="2056" name="Rectangle 8"/>
           <p:cNvSpPr>
-            <a:spLocks noChangeArrowheads="1"/>
+            <a:spLocks noGrp="1" noChangeArrowheads="1"/>
           </p:cNvSpPr>
           <p:nvPr>
             <p:ph type="ctrTitle"/>
@@ -675,10 +676,9 @@
           <a:p>
             <a:pPr lvl="0"/>
             <a:r>
-              <a:rPr lang="en-US" altLang="zh-CN" noProof="0" smtClean="0"/>
+              <a:rPr lang="en-US" altLang="zh-CN" noProof="0"/>
               <a:t>Click to edit Master title style</a:t>
             </a:r>
-            <a:endParaRPr lang="en-US" altLang="zh-CN" noProof="0" smtClean="0"/>
           </a:p>
         </p:txBody>
       </p:sp>
@@ -686,7 +686,7 @@
         <p:nvSpPr>
           <p:cNvPr id="11" name="Rectangle 4"/>
           <p:cNvSpPr>
-            <a:spLocks noChangeArrowheads="1"/>
+            <a:spLocks noGrp="1" noChangeArrowheads="1"/>
           </p:cNvSpPr>
           <p:nvPr>
             <p:ph type="dt" sz="half" idx="2"/>
@@ -740,6 +740,7 @@
           <a:p>
             <a:fld id="{63A1C593-65D0-4073-BCC9-577B9352EA97}" type="datetimeFigureOut">
               <a:rPr lang="en-US" smtClean="0"/>
+              <a:t>1/20/2025</a:t>
             </a:fld>
             <a:endParaRPr lang="en-US"/>
           </a:p>
@@ -749,7 +750,7 @@
         <p:nvSpPr>
           <p:cNvPr id="12" name="Rectangle 5"/>
           <p:cNvSpPr>
-            <a:spLocks noChangeArrowheads="1"/>
+            <a:spLocks noGrp="1" noChangeArrowheads="1"/>
           </p:cNvSpPr>
           <p:nvPr>
             <p:ph type="ftr" sz="quarter" idx="3"/>
@@ -809,7 +810,7 @@
         <p:nvSpPr>
           <p:cNvPr id="13" name="Rectangle 6"/>
           <p:cNvSpPr>
-            <a:spLocks noChangeArrowheads="1"/>
+            <a:spLocks noGrp="1" noChangeArrowheads="1"/>
           </p:cNvSpPr>
           <p:nvPr>
             <p:ph type="sldNum" sz="quarter" idx="4"/>
@@ -863,6 +864,7 @@
           <a:p>
             <a:fld id="{9B618960-8005-486C-9A75-10CB2AAC16F9}" type="slidenum">
               <a:rPr lang="en-US" smtClean="0"/>
+              <a:t>‹#›</a:t>
             </a:fld>
             <a:endParaRPr lang="en-US"/>
           </a:p>
@@ -1045,10 +1047,9 @@
           <a:lstStyle/>
           <a:p>
             <a:r>
-              <a:rPr lang="en-US" smtClean="0"/>
+              <a:rPr lang="en-US"/>
               <a:t>Click to edit Master title style</a:t>
             </a:r>
-            <a:endParaRPr lang="en-US"/>
           </a:p>
         </p:txBody>
       </p:sp>
@@ -1069,42 +1070,37 @@
           <a:p>
             <a:pPr lvl="0"/>
             <a:r>
-              <a:rPr lang="en-US" smtClean="0"/>
+              <a:rPr lang="en-US"/>
               <a:t>Click to edit Master text styles</a:t>
             </a:r>
-            <a:endParaRPr lang="en-US" smtClean="0"/>
           </a:p>
           <a:p>
             <a:pPr lvl="1"/>
             <a:r>
-              <a:rPr lang="en-US" smtClean="0"/>
+              <a:rPr lang="en-US"/>
               <a:t>Second level</a:t>
             </a:r>
-            <a:endParaRPr lang="en-US" smtClean="0"/>
           </a:p>
           <a:p>
             <a:pPr lvl="2"/>
             <a:r>
-              <a:rPr lang="en-US" smtClean="0"/>
+              <a:rPr lang="en-US"/>
               <a:t>Third level</a:t>
             </a:r>
-            <a:endParaRPr lang="en-US" smtClean="0"/>
           </a:p>
           <a:p>
             <a:pPr lvl="3"/>
             <a:r>
-              <a:rPr lang="en-US" smtClean="0"/>
+              <a:rPr lang="en-US"/>
               <a:t>Fourth level</a:t>
             </a:r>
-            <a:endParaRPr lang="en-US" smtClean="0"/>
           </a:p>
           <a:p>
             <a:pPr lvl="4"/>
             <a:r>
-              <a:rPr lang="en-US" smtClean="0"/>
+              <a:rPr lang="en-US"/>
               <a:t>Fifth level</a:t>
             </a:r>
-            <a:endParaRPr lang="en-US"/>
           </a:p>
         </p:txBody>
       </p:sp>
@@ -1121,9 +1117,11 @@
         <p:spPr/>
         <p:txBody>
           <a:bodyPr/>
+          <a:lstStyle/>
           <a:p>
             <a:fld id="{63A1C593-65D0-4073-BCC9-577B9352EA97}" type="datetimeFigureOut">
               <a:rPr lang="en-US" smtClean="0"/>
+              <a:t>1/20/2025</a:t>
             </a:fld>
             <a:endParaRPr lang="en-US"/>
           </a:p>
@@ -1142,6 +1140,7 @@
         <p:spPr/>
         <p:txBody>
           <a:bodyPr/>
+          <a:lstStyle/>
           <a:p>
             <a:endParaRPr lang="en-US"/>
           </a:p>
@@ -1160,9 +1159,11 @@
         <p:spPr/>
         <p:txBody>
           <a:bodyPr/>
+          <a:lstStyle/>
           <a:p>
             <a:fld id="{9B618960-8005-486C-9A75-10CB2AAC16F9}" type="slidenum">
               <a:rPr lang="en-US" smtClean="0"/>
+              <a:t>‹#›</a:t>
             </a:fld>
             <a:endParaRPr lang="en-US"/>
           </a:p>
@@ -1215,10 +1216,9 @@
           <a:lstStyle/>
           <a:p>
             <a:r>
-              <a:rPr lang="en-US" smtClean="0"/>
+              <a:rPr lang="en-US"/>
               <a:t>Click to edit Master title style</a:t>
             </a:r>
-            <a:endParaRPr lang="en-US"/>
           </a:p>
         </p:txBody>
       </p:sp>
@@ -1244,42 +1244,37 @@
           <a:p>
             <a:pPr lvl="0"/>
             <a:r>
-              <a:rPr lang="en-US" smtClean="0"/>
+              <a:rPr lang="en-US"/>
               <a:t>Click to edit Master text styles</a:t>
             </a:r>
-            <a:endParaRPr lang="en-US" smtClean="0"/>
           </a:p>
           <a:p>
             <a:pPr lvl="1"/>
             <a:r>
-              <a:rPr lang="en-US" smtClean="0"/>
+              <a:rPr lang="en-US"/>
               <a:t>Second level</a:t>
             </a:r>
-            <a:endParaRPr lang="en-US" smtClean="0"/>
           </a:p>
           <a:p>
             <a:pPr lvl="2"/>
             <a:r>
-              <a:rPr lang="en-US" smtClean="0"/>
+              <a:rPr lang="en-US"/>
               <a:t>Third level</a:t>
             </a:r>
-            <a:endParaRPr lang="en-US" smtClean="0"/>
           </a:p>
           <a:p>
             <a:pPr lvl="3"/>
             <a:r>
-              <a:rPr lang="en-US" smtClean="0"/>
+              <a:rPr lang="en-US"/>
               <a:t>Fourth level</a:t>
             </a:r>
-            <a:endParaRPr lang="en-US" smtClean="0"/>
           </a:p>
           <a:p>
             <a:pPr lvl="4"/>
             <a:r>
-              <a:rPr lang="en-US" smtClean="0"/>
+              <a:rPr lang="en-US"/>
               <a:t>Fifth level</a:t>
             </a:r>
-            <a:endParaRPr lang="en-US"/>
           </a:p>
         </p:txBody>
       </p:sp>
@@ -1296,9 +1291,11 @@
         <p:spPr/>
         <p:txBody>
           <a:bodyPr/>
+          <a:lstStyle/>
           <a:p>
             <a:fld id="{63A1C593-65D0-4073-BCC9-577B9352EA97}" type="datetimeFigureOut">
               <a:rPr lang="en-US" smtClean="0"/>
+              <a:t>1/20/2025</a:t>
             </a:fld>
             <a:endParaRPr lang="en-US"/>
           </a:p>
@@ -1317,6 +1314,7 @@
         <p:spPr/>
         <p:txBody>
           <a:bodyPr/>
+          <a:lstStyle/>
           <a:p>
             <a:endParaRPr lang="en-US"/>
           </a:p>
@@ -1335,9 +1333,11 @@
         <p:spPr/>
         <p:txBody>
           <a:bodyPr/>
+          <a:lstStyle/>
           <a:p>
             <a:fld id="{9B618960-8005-486C-9A75-10CB2AAC16F9}" type="slidenum">
               <a:rPr lang="en-US" smtClean="0"/>
+              <a:t>‹#›</a:t>
             </a:fld>
             <a:endParaRPr lang="en-US"/>
           </a:p>
@@ -1385,10 +1385,9 @@
           <a:lstStyle/>
           <a:p>
             <a:r>
-              <a:rPr lang="en-US" smtClean="0"/>
+              <a:rPr lang="en-US"/>
               <a:t>Click to edit Master title style</a:t>
             </a:r>
-            <a:endParaRPr lang="en-US"/>
           </a:p>
         </p:txBody>
       </p:sp>
@@ -1409,42 +1408,37 @@
           <a:p>
             <a:pPr lvl="0"/>
             <a:r>
-              <a:rPr lang="en-US" smtClean="0"/>
+              <a:rPr lang="en-US"/>
               <a:t>Click to edit Master text styles</a:t>
             </a:r>
-            <a:endParaRPr lang="en-US" smtClean="0"/>
           </a:p>
           <a:p>
             <a:pPr lvl="1"/>
             <a:r>
-              <a:rPr lang="en-US" smtClean="0"/>
+              <a:rPr lang="en-US"/>
               <a:t>Second level</a:t>
             </a:r>
-            <a:endParaRPr lang="en-US" smtClean="0"/>
           </a:p>
           <a:p>
             <a:pPr lvl="2"/>
             <a:r>
-              <a:rPr lang="en-US" smtClean="0"/>
+              <a:rPr lang="en-US"/>
               <a:t>Third level</a:t>
             </a:r>
-            <a:endParaRPr lang="en-US" smtClean="0"/>
           </a:p>
           <a:p>
             <a:pPr lvl="3"/>
             <a:r>
-              <a:rPr lang="en-US" smtClean="0"/>
+              <a:rPr lang="en-US"/>
               <a:t>Fourth level</a:t>
             </a:r>
-            <a:endParaRPr lang="en-US" smtClean="0"/>
           </a:p>
           <a:p>
             <a:pPr lvl="4"/>
             <a:r>
-              <a:rPr lang="en-US" smtClean="0"/>
+              <a:rPr lang="en-US"/>
               <a:t>Fifth level</a:t>
             </a:r>
-            <a:endParaRPr lang="en-US"/>
           </a:p>
         </p:txBody>
       </p:sp>
@@ -1461,9 +1455,11 @@
         <p:spPr/>
         <p:txBody>
           <a:bodyPr/>
+          <a:lstStyle/>
           <a:p>
             <a:fld id="{63A1C593-65D0-4073-BCC9-577B9352EA97}" type="datetimeFigureOut">
               <a:rPr lang="en-US" smtClean="0"/>
+              <a:t>1/20/2025</a:t>
             </a:fld>
             <a:endParaRPr lang="en-US"/>
           </a:p>
@@ -1482,6 +1478,7 @@
         <p:spPr/>
         <p:txBody>
           <a:bodyPr/>
+          <a:lstStyle/>
           <a:p>
             <a:endParaRPr lang="en-US"/>
           </a:p>
@@ -1500,9 +1497,11 @@
         <p:spPr/>
         <p:txBody>
           <a:bodyPr/>
+          <a:lstStyle/>
           <a:p>
             <a:fld id="{9B618960-8005-486C-9A75-10CB2AAC16F9}" type="slidenum">
               <a:rPr lang="en-US" smtClean="0"/>
+              <a:t>‹#›</a:t>
             </a:fld>
             <a:endParaRPr lang="en-US"/>
           </a:p>
@@ -1559,10 +1558,9 @@
           </a:lstStyle>
           <a:p>
             <a:r>
-              <a:rPr lang="en-US" smtClean="0"/>
+              <a:rPr lang="en-US"/>
               <a:t>Click to edit Master title style</a:t>
             </a:r>
-            <a:endParaRPr lang="en-US"/>
           </a:p>
         </p:txBody>
       </p:sp>
@@ -1625,10 +1623,9 @@
           <a:p>
             <a:pPr lvl="0"/>
             <a:r>
-              <a:rPr lang="en-US" smtClean="0"/>
+              <a:rPr lang="en-US"/>
               <a:t>Click to edit Master text styles</a:t>
             </a:r>
-            <a:endParaRPr lang="en-US" smtClean="0"/>
           </a:p>
         </p:txBody>
       </p:sp>
@@ -1645,9 +1642,11 @@
         <p:spPr/>
         <p:txBody>
           <a:bodyPr/>
+          <a:lstStyle/>
           <a:p>
             <a:fld id="{63A1C593-65D0-4073-BCC9-577B9352EA97}" type="datetimeFigureOut">
               <a:rPr lang="en-US" smtClean="0"/>
+              <a:t>1/20/2025</a:t>
             </a:fld>
             <a:endParaRPr lang="en-US"/>
           </a:p>
@@ -1666,6 +1665,7 @@
         <p:spPr/>
         <p:txBody>
           <a:bodyPr/>
+          <a:lstStyle/>
           <a:p>
             <a:endParaRPr lang="en-US"/>
           </a:p>
@@ -1684,9 +1684,11 @@
         <p:spPr/>
         <p:txBody>
           <a:bodyPr/>
+          <a:lstStyle/>
           <a:p>
             <a:fld id="{9B618960-8005-486C-9A75-10CB2AAC16F9}" type="slidenum">
               <a:rPr lang="en-US" smtClean="0"/>
+              <a:t>‹#›</a:t>
             </a:fld>
             <a:endParaRPr lang="en-US"/>
           </a:p>
@@ -1734,10 +1736,9 @@
           <a:lstStyle/>
           <a:p>
             <a:r>
-              <a:rPr lang="en-US" smtClean="0"/>
+              <a:rPr lang="en-US"/>
               <a:t>Click to edit Master title style</a:t>
             </a:r>
-            <a:endParaRPr lang="en-US"/>
           </a:p>
         </p:txBody>
       </p:sp>
@@ -1763,42 +1764,37 @@
           <a:p>
             <a:pPr lvl="0"/>
             <a:r>
-              <a:rPr lang="en-US" smtClean="0"/>
+              <a:rPr lang="en-US"/>
               <a:t>Click to edit Master text styles</a:t>
             </a:r>
-            <a:endParaRPr lang="en-US" smtClean="0"/>
           </a:p>
           <a:p>
             <a:pPr lvl="1"/>
             <a:r>
-              <a:rPr lang="en-US" smtClean="0"/>
+              <a:rPr lang="en-US"/>
               <a:t>Second level</a:t>
             </a:r>
-            <a:endParaRPr lang="en-US" smtClean="0"/>
           </a:p>
           <a:p>
             <a:pPr lvl="2"/>
             <a:r>
-              <a:rPr lang="en-US" smtClean="0"/>
+              <a:rPr lang="en-US"/>
               <a:t>Third level</a:t>
             </a:r>
-            <a:endParaRPr lang="en-US" smtClean="0"/>
           </a:p>
           <a:p>
             <a:pPr lvl="3"/>
             <a:r>
-              <a:rPr lang="en-US" smtClean="0"/>
+              <a:rPr lang="en-US"/>
               <a:t>Fourth level</a:t>
             </a:r>
-            <a:endParaRPr lang="en-US" smtClean="0"/>
           </a:p>
           <a:p>
             <a:pPr lvl="4"/>
             <a:r>
-              <a:rPr lang="en-US" smtClean="0"/>
+              <a:rPr lang="en-US"/>
               <a:t>Fifth level</a:t>
             </a:r>
-            <a:endParaRPr lang="en-US"/>
           </a:p>
         </p:txBody>
       </p:sp>
@@ -1824,42 +1820,37 @@
           <a:p>
             <a:pPr lvl="0"/>
             <a:r>
-              <a:rPr lang="en-US" smtClean="0"/>
+              <a:rPr lang="en-US"/>
               <a:t>Click to edit Master text styles</a:t>
             </a:r>
-            <a:endParaRPr lang="en-US" smtClean="0"/>
           </a:p>
           <a:p>
             <a:pPr lvl="1"/>
             <a:r>
-              <a:rPr lang="en-US" smtClean="0"/>
+              <a:rPr lang="en-US"/>
               <a:t>Second level</a:t>
             </a:r>
-            <a:endParaRPr lang="en-US" smtClean="0"/>
           </a:p>
           <a:p>
             <a:pPr lvl="2"/>
             <a:r>
-              <a:rPr lang="en-US" smtClean="0"/>
+              <a:rPr lang="en-US"/>
               <a:t>Third level</a:t>
             </a:r>
-            <a:endParaRPr lang="en-US" smtClean="0"/>
           </a:p>
           <a:p>
             <a:pPr lvl="3"/>
             <a:r>
-              <a:rPr lang="en-US" smtClean="0"/>
+              <a:rPr lang="en-US"/>
               <a:t>Fourth level</a:t>
             </a:r>
-            <a:endParaRPr lang="en-US" smtClean="0"/>
           </a:p>
           <a:p>
             <a:pPr lvl="4"/>
             <a:r>
-              <a:rPr lang="en-US" smtClean="0"/>
+              <a:rPr lang="en-US"/>
               <a:t>Fifth level</a:t>
             </a:r>
-            <a:endParaRPr lang="en-US"/>
           </a:p>
         </p:txBody>
       </p:sp>
@@ -1876,9 +1867,11 @@
         <p:spPr/>
         <p:txBody>
           <a:bodyPr/>
+          <a:lstStyle/>
           <a:p>
             <a:fld id="{63A1C593-65D0-4073-BCC9-577B9352EA97}" type="datetimeFigureOut">
               <a:rPr lang="en-US" smtClean="0"/>
+              <a:t>1/20/2025</a:t>
             </a:fld>
             <a:endParaRPr lang="en-US"/>
           </a:p>
@@ -1897,6 +1890,7 @@
         <p:spPr/>
         <p:txBody>
           <a:bodyPr/>
+          <a:lstStyle/>
           <a:p>
             <a:endParaRPr lang="en-US"/>
           </a:p>
@@ -1915,9 +1909,11 @@
         <p:spPr/>
         <p:txBody>
           <a:bodyPr/>
+          <a:lstStyle/>
           <a:p>
             <a:fld id="{9B618960-8005-486C-9A75-10CB2AAC16F9}" type="slidenum">
               <a:rPr lang="en-US" smtClean="0"/>
+              <a:t>‹#›</a:t>
             </a:fld>
             <a:endParaRPr lang="en-US"/>
           </a:p>
@@ -1970,10 +1966,9 @@
           <a:lstStyle/>
           <a:p>
             <a:r>
-              <a:rPr lang="en-US" smtClean="0"/>
+              <a:rPr lang="en-US"/>
               <a:t>Click to edit Master title style</a:t>
             </a:r>
-            <a:endParaRPr lang="en-US"/>
           </a:p>
         </p:txBody>
       </p:sp>
@@ -2036,10 +2031,9 @@
           <a:p>
             <a:pPr lvl="0"/>
             <a:r>
-              <a:rPr lang="en-US" smtClean="0"/>
+              <a:rPr lang="en-US"/>
               <a:t>Click to edit Master text styles</a:t>
             </a:r>
-            <a:endParaRPr lang="en-US" smtClean="0"/>
           </a:p>
         </p:txBody>
       </p:sp>
@@ -2065,42 +2059,37 @@
           <a:p>
             <a:pPr lvl="0"/>
             <a:r>
-              <a:rPr lang="en-US" smtClean="0"/>
+              <a:rPr lang="en-US"/>
               <a:t>Click to edit Master text styles</a:t>
             </a:r>
-            <a:endParaRPr lang="en-US" smtClean="0"/>
           </a:p>
           <a:p>
             <a:pPr lvl="1"/>
             <a:r>
-              <a:rPr lang="en-US" smtClean="0"/>
+              <a:rPr lang="en-US"/>
               <a:t>Second level</a:t>
             </a:r>
-            <a:endParaRPr lang="en-US" smtClean="0"/>
           </a:p>
           <a:p>
             <a:pPr lvl="2"/>
             <a:r>
-              <a:rPr lang="en-US" smtClean="0"/>
+              <a:rPr lang="en-US"/>
               <a:t>Third level</a:t>
             </a:r>
-            <a:endParaRPr lang="en-US" smtClean="0"/>
           </a:p>
           <a:p>
             <a:pPr lvl="3"/>
             <a:r>
-              <a:rPr lang="en-US" smtClean="0"/>
+              <a:rPr lang="en-US"/>
               <a:t>Fourth level</a:t>
             </a:r>
-            <a:endParaRPr lang="en-US" smtClean="0"/>
           </a:p>
           <a:p>
             <a:pPr lvl="4"/>
             <a:r>
-              <a:rPr lang="en-US" smtClean="0"/>
+              <a:rPr lang="en-US"/>
               <a:t>Fifth level</a:t>
             </a:r>
-            <a:endParaRPr lang="en-US"/>
           </a:p>
         </p:txBody>
       </p:sp>
@@ -2163,10 +2152,9 @@
           <a:p>
             <a:pPr lvl="0"/>
             <a:r>
-              <a:rPr lang="en-US" smtClean="0"/>
+              <a:rPr lang="en-US"/>
               <a:t>Click to edit Master text styles</a:t>
             </a:r>
-            <a:endParaRPr lang="en-US" smtClean="0"/>
           </a:p>
         </p:txBody>
       </p:sp>
@@ -2192,42 +2180,37 @@
           <a:p>
             <a:pPr lvl="0"/>
             <a:r>
-              <a:rPr lang="en-US" smtClean="0"/>
+              <a:rPr lang="en-US"/>
               <a:t>Click to edit Master text styles</a:t>
             </a:r>
-            <a:endParaRPr lang="en-US" smtClean="0"/>
           </a:p>
           <a:p>
             <a:pPr lvl="1"/>
             <a:r>
-              <a:rPr lang="en-US" smtClean="0"/>
+              <a:rPr lang="en-US"/>
               <a:t>Second level</a:t>
             </a:r>
-            <a:endParaRPr lang="en-US" smtClean="0"/>
           </a:p>
           <a:p>
             <a:pPr lvl="2"/>
             <a:r>
-              <a:rPr lang="en-US" smtClean="0"/>
+              <a:rPr lang="en-US"/>
               <a:t>Third level</a:t>
             </a:r>
-            <a:endParaRPr lang="en-US" smtClean="0"/>
           </a:p>
           <a:p>
             <a:pPr lvl="3"/>
             <a:r>
-              <a:rPr lang="en-US" smtClean="0"/>
+              <a:rPr lang="en-US"/>
               <a:t>Fourth level</a:t>
             </a:r>
-            <a:endParaRPr lang="en-US" smtClean="0"/>
           </a:p>
           <a:p>
             <a:pPr lvl="4"/>
             <a:r>
-              <a:rPr lang="en-US" smtClean="0"/>
+              <a:rPr lang="en-US"/>
               <a:t>Fifth level</a:t>
             </a:r>
-            <a:endParaRPr lang="en-US"/>
           </a:p>
         </p:txBody>
       </p:sp>
@@ -2244,9 +2227,11 @@
         <p:spPr/>
         <p:txBody>
           <a:bodyPr/>
+          <a:lstStyle/>
           <a:p>
             <a:fld id="{63A1C593-65D0-4073-BCC9-577B9352EA97}" type="datetimeFigureOut">
               <a:rPr lang="en-US" smtClean="0"/>
+              <a:t>1/20/2025</a:t>
             </a:fld>
             <a:endParaRPr lang="en-US"/>
           </a:p>
@@ -2265,6 +2250,7 @@
         <p:spPr/>
         <p:txBody>
           <a:bodyPr/>
+          <a:lstStyle/>
           <a:p>
             <a:endParaRPr lang="en-US"/>
           </a:p>
@@ -2283,9 +2269,11 @@
         <p:spPr/>
         <p:txBody>
           <a:bodyPr/>
+          <a:lstStyle/>
           <a:p>
             <a:fld id="{9B618960-8005-486C-9A75-10CB2AAC16F9}" type="slidenum">
               <a:rPr lang="en-US" smtClean="0"/>
+              <a:t>‹#›</a:t>
             </a:fld>
             <a:endParaRPr lang="en-US"/>
           </a:p>
@@ -2333,10 +2321,9 @@
           <a:lstStyle/>
           <a:p>
             <a:r>
-              <a:rPr lang="en-US" smtClean="0"/>
+              <a:rPr lang="en-US"/>
               <a:t>Click to edit Master title style</a:t>
             </a:r>
-            <a:endParaRPr lang="en-US"/>
           </a:p>
         </p:txBody>
       </p:sp>
@@ -2353,9 +2340,11 @@
         <p:spPr/>
         <p:txBody>
           <a:bodyPr/>
+          <a:lstStyle/>
           <a:p>
             <a:fld id="{63A1C593-65D0-4073-BCC9-577B9352EA97}" type="datetimeFigureOut">
               <a:rPr lang="en-US" smtClean="0"/>
+              <a:t>1/20/2025</a:t>
             </a:fld>
             <a:endParaRPr lang="en-US"/>
           </a:p>
@@ -2374,6 +2363,7 @@
         <p:spPr/>
         <p:txBody>
           <a:bodyPr/>
+          <a:lstStyle/>
           <a:p>
             <a:endParaRPr lang="en-US"/>
           </a:p>
@@ -2392,9 +2382,11 @@
         <p:spPr/>
         <p:txBody>
           <a:bodyPr/>
+          <a:lstStyle/>
           <a:p>
             <a:fld id="{9B618960-8005-486C-9A75-10CB2AAC16F9}" type="slidenum">
               <a:rPr lang="en-US" smtClean="0"/>
+              <a:t>‹#›</a:t>
             </a:fld>
             <a:endParaRPr lang="en-US"/>
           </a:p>
@@ -2439,9 +2431,11 @@
         <p:spPr/>
         <p:txBody>
           <a:bodyPr/>
+          <a:lstStyle/>
           <a:p>
             <a:fld id="{63A1C593-65D0-4073-BCC9-577B9352EA97}" type="datetimeFigureOut">
               <a:rPr lang="en-US" smtClean="0"/>
+              <a:t>1/20/2025</a:t>
             </a:fld>
             <a:endParaRPr lang="en-US"/>
           </a:p>
@@ -2460,6 +2454,7 @@
         <p:spPr/>
         <p:txBody>
           <a:bodyPr/>
+          <a:lstStyle/>
           <a:p>
             <a:endParaRPr lang="en-US"/>
           </a:p>
@@ -2478,9 +2473,11 @@
         <p:spPr/>
         <p:txBody>
           <a:bodyPr/>
+          <a:lstStyle/>
           <a:p>
             <a:fld id="{9B618960-8005-486C-9A75-10CB2AAC16F9}" type="slidenum">
               <a:rPr lang="en-US" smtClean="0"/>
+              <a:t>‹#›</a:t>
             </a:fld>
             <a:endParaRPr lang="en-US"/>
           </a:p>
@@ -2537,10 +2534,9 @@
           </a:lstStyle>
           <a:p>
             <a:r>
-              <a:rPr lang="en-US" smtClean="0"/>
+              <a:rPr lang="en-US"/>
               <a:t>Click to edit Master title style</a:t>
             </a:r>
-            <a:endParaRPr lang="en-US"/>
           </a:p>
         </p:txBody>
       </p:sp>
@@ -2594,42 +2590,37 @@
           <a:p>
             <a:pPr lvl="0"/>
             <a:r>
-              <a:rPr lang="en-US" smtClean="0"/>
+              <a:rPr lang="en-US"/>
               <a:t>Click to edit Master text styles</a:t>
             </a:r>
-            <a:endParaRPr lang="en-US" smtClean="0"/>
           </a:p>
           <a:p>
             <a:pPr lvl="1"/>
             <a:r>
-              <a:rPr lang="en-US" smtClean="0"/>
+              <a:rPr lang="en-US"/>
               <a:t>Second level</a:t>
             </a:r>
-            <a:endParaRPr lang="en-US" smtClean="0"/>
           </a:p>
           <a:p>
             <a:pPr lvl="2"/>
             <a:r>
-              <a:rPr lang="en-US" smtClean="0"/>
+              <a:rPr lang="en-US"/>
               <a:t>Third level</a:t>
             </a:r>
-            <a:endParaRPr lang="en-US" smtClean="0"/>
           </a:p>
           <a:p>
             <a:pPr lvl="3"/>
             <a:r>
-              <a:rPr lang="en-US" smtClean="0"/>
+              <a:rPr lang="en-US"/>
               <a:t>Fourth level</a:t>
             </a:r>
-            <a:endParaRPr lang="en-US" smtClean="0"/>
           </a:p>
           <a:p>
             <a:pPr lvl="4"/>
             <a:r>
-              <a:rPr lang="en-US" smtClean="0"/>
+              <a:rPr lang="en-US"/>
               <a:t>Fifth level</a:t>
             </a:r>
-            <a:endParaRPr lang="en-US"/>
           </a:p>
         </p:txBody>
       </p:sp>
@@ -2692,10 +2683,9 @@
           <a:p>
             <a:pPr lvl="0"/>
             <a:r>
-              <a:rPr lang="en-US" smtClean="0"/>
+              <a:rPr lang="en-US"/>
               <a:t>Click to edit Master text styles</a:t>
             </a:r>
-            <a:endParaRPr lang="en-US" smtClean="0"/>
           </a:p>
         </p:txBody>
       </p:sp>
@@ -2712,9 +2702,11 @@
         <p:spPr/>
         <p:txBody>
           <a:bodyPr/>
+          <a:lstStyle/>
           <a:p>
             <a:fld id="{63A1C593-65D0-4073-BCC9-577B9352EA97}" type="datetimeFigureOut">
               <a:rPr lang="en-US" smtClean="0"/>
+              <a:t>1/20/2025</a:t>
             </a:fld>
             <a:endParaRPr lang="en-US"/>
           </a:p>
@@ -2733,6 +2725,7 @@
         <p:spPr/>
         <p:txBody>
           <a:bodyPr/>
+          <a:lstStyle/>
           <a:p>
             <a:endParaRPr lang="en-US"/>
           </a:p>
@@ -2751,9 +2744,11 @@
         <p:spPr/>
         <p:txBody>
           <a:bodyPr/>
+          <a:lstStyle/>
           <a:p>
             <a:fld id="{9B618960-8005-486C-9A75-10CB2AAC16F9}" type="slidenum">
               <a:rPr lang="en-US" smtClean="0"/>
+              <a:t>‹#›</a:t>
             </a:fld>
             <a:endParaRPr lang="en-US"/>
           </a:p>
@@ -2810,10 +2805,9 @@
           </a:lstStyle>
           <a:p>
             <a:r>
-              <a:rPr lang="en-US" smtClean="0"/>
+              <a:rPr lang="en-US"/>
               <a:t>Click to edit Master title style</a:t>
             </a:r>
-            <a:endParaRPr lang="en-US"/>
           </a:p>
         </p:txBody>
       </p:sp>
@@ -2890,7 +2884,7 @@
               <a:buNone/>
               <a:defRPr/>
             </a:pPr>
-            <a:endParaRPr kumimoji="0" lang="en-US" sz="3200" b="0" i="0" u="none" strike="noStrike" kern="1200" cap="none" spc="0" normalizeH="0" baseline="0" noProof="0" smtClean="0">
+            <a:endParaRPr kumimoji="0" lang="en-US" sz="3200" b="0" i="0" u="none" strike="noStrike" kern="1200" cap="none" spc="0" normalizeH="0" baseline="0" noProof="0">
               <a:ln>
                 <a:noFill/>
               </a:ln>
@@ -2966,10 +2960,9 @@
           <a:p>
             <a:pPr lvl="0"/>
             <a:r>
-              <a:rPr lang="en-US" smtClean="0"/>
+              <a:rPr lang="en-US"/>
               <a:t>Click to edit Master text styles</a:t>
             </a:r>
-            <a:endParaRPr lang="en-US" smtClean="0"/>
           </a:p>
         </p:txBody>
       </p:sp>
@@ -2986,9 +2979,11 @@
         <p:spPr/>
         <p:txBody>
           <a:bodyPr/>
+          <a:lstStyle/>
           <a:p>
             <a:fld id="{63A1C593-65D0-4073-BCC9-577B9352EA97}" type="datetimeFigureOut">
               <a:rPr lang="en-US" smtClean="0"/>
+              <a:t>1/20/2025</a:t>
             </a:fld>
             <a:endParaRPr lang="en-US"/>
           </a:p>
@@ -3007,6 +3002,7 @@
         <p:spPr/>
         <p:txBody>
           <a:bodyPr/>
+          <a:lstStyle/>
           <a:p>
             <a:endParaRPr lang="en-US"/>
           </a:p>
@@ -3025,9 +3021,11 @@
         <p:spPr/>
         <p:txBody>
           <a:bodyPr/>
+          <a:lstStyle/>
           <a:p>
             <a:fld id="{9B618960-8005-486C-9A75-10CB2AAC16F9}" type="slidenum">
               <a:rPr lang="en-US" smtClean="0"/>
+              <a:t>‹#›</a:t>
             </a:fld>
             <a:endParaRPr lang="en-US"/>
           </a:p>
@@ -3059,7 +3057,14 @@
         <p:cNvGrpSpPr/>
         <p:nvPr/>
       </p:nvGrpSpPr>
-      <p:grpSpPr/>
+      <p:grpSpPr>
+        <a:xfrm>
+          <a:off x="0" y="0"/>
+          <a:ext cx="0" cy="0"/>
+          <a:chOff x="0" y="0"/>
+          <a:chExt cx="0" cy="0"/>
+        </a:xfrm>
+      </p:grpSpPr>
       <p:sp>
         <p:nvSpPr>
           <p:cNvPr id="1026" name="Rectangle 2"/>
@@ -3139,7 +3144,7 @@
               <a:buNone/>
               <a:defRPr/>
             </a:pPr>
-            <a:endParaRPr kumimoji="0" lang="en-US" sz="1800" b="0" i="0" u="none" strike="noStrike" kern="1200" cap="none" spc="0" normalizeH="0" baseline="0" noProof="0" smtClean="0">
+            <a:endParaRPr kumimoji="0" lang="en-US" sz="1800" b="0" i="0" u="none" strike="noStrike" kern="1200" cap="none" spc="0" normalizeH="0" baseline="0" noProof="0">
               <a:ln>
                 <a:noFill/>
               </a:ln>
@@ -3165,7 +3170,7 @@
           <p:nvPr/>
         </p:nvPicPr>
         <p:blipFill>
-          <a:blip r:embed="rId12"/>
+          <a:blip r:embed="rId13"/>
           <a:srcRect t="1094" r="8122" b="13318"/>
           <a:stretch>
             <a:fillRect/>
@@ -3188,7 +3193,9 @@
       <p:sp>
         <p:nvSpPr>
           <p:cNvPr id="1028" name="Rectangle 4"/>
-          <p:cNvSpPr/>
+          <p:cNvSpPr>
+            <a:spLocks noGrp="1"/>
+          </p:cNvSpPr>
           <p:nvPr>
             <p:ph type="title"/>
           </p:nvPr>
@@ -3208,20 +3215,22 @@
         </p:spPr>
         <p:txBody>
           <a:bodyPr anchor="ctr" anchorCtr="0"/>
+          <a:lstStyle/>
           <a:p>
             <a:pPr lvl="0"/>
             <a:r>
               <a:rPr lang="en-US" altLang="zh-CN" dirty="0"/>
               <a:t>Click to edit Master title style</a:t>
             </a:r>
-            <a:endParaRPr lang="en-US" altLang="zh-CN" dirty="0"/>
           </a:p>
         </p:txBody>
       </p:sp>
       <p:sp>
         <p:nvSpPr>
           <p:cNvPr id="1029" name="Rectangle 5"/>
-          <p:cNvSpPr/>
+          <p:cNvSpPr>
+            <a:spLocks noGrp="1"/>
+          </p:cNvSpPr>
           <p:nvPr>
             <p:ph type="body" idx="1"/>
           </p:nvPr>
@@ -3241,13 +3250,13 @@
         </p:spPr>
         <p:txBody>
           <a:bodyPr/>
+          <a:lstStyle/>
           <a:p>
             <a:pPr lvl="0"/>
             <a:r>
               <a:rPr lang="en-US" altLang="zh-CN" dirty="0"/>
               <a:t>Click to edit Master text styles</a:t>
             </a:r>
-            <a:endParaRPr lang="en-US" altLang="zh-CN" dirty="0"/>
           </a:p>
           <a:p>
             <a:pPr lvl="1"/>
@@ -3255,7 +3264,6 @@
               <a:rPr lang="en-US" altLang="zh-CN" dirty="0"/>
               <a:t>Second level</a:t>
             </a:r>
-            <a:endParaRPr lang="en-US" altLang="zh-CN" dirty="0"/>
           </a:p>
           <a:p>
             <a:pPr lvl="2"/>
@@ -3263,7 +3271,6 @@
               <a:rPr lang="en-US" altLang="zh-CN" dirty="0"/>
               <a:t>Third level</a:t>
             </a:r>
-            <a:endParaRPr lang="en-US" altLang="zh-CN" dirty="0"/>
           </a:p>
           <a:p>
             <a:pPr lvl="3"/>
@@ -3271,7 +3278,6 @@
               <a:rPr lang="en-US" altLang="zh-CN" dirty="0"/>
               <a:t>Fourth level</a:t>
             </a:r>
-            <a:endParaRPr lang="en-US" altLang="zh-CN" dirty="0"/>
           </a:p>
           <a:p>
             <a:pPr lvl="4"/>
@@ -3279,7 +3285,6 @@
               <a:rPr lang="en-US" altLang="zh-CN" dirty="0"/>
               <a:t>Fifth level</a:t>
             </a:r>
-            <a:endParaRPr lang="en-US" altLang="zh-CN" dirty="0"/>
           </a:p>
         </p:txBody>
       </p:sp>
@@ -3287,7 +3292,7 @@
         <p:nvSpPr>
           <p:cNvPr id="1030" name="Rectangle 6"/>
           <p:cNvSpPr>
-            <a:spLocks noChangeArrowheads="1"/>
+            <a:spLocks noGrp="1" noChangeArrowheads="1"/>
           </p:cNvSpPr>
           <p:nvPr>
             <p:ph type="dt" sz="half" idx="2"/>
@@ -3345,6 +3350,7 @@
           <a:p>
             <a:fld id="{63A1C593-65D0-4073-BCC9-577B9352EA97}" type="datetimeFigureOut">
               <a:rPr lang="en-US" smtClean="0"/>
+              <a:t>1/20/2025</a:t>
             </a:fld>
             <a:endParaRPr lang="en-US"/>
           </a:p>
@@ -3354,7 +3360,7 @@
         <p:nvSpPr>
           <p:cNvPr id="1031" name="Rectangle 7"/>
           <p:cNvSpPr>
-            <a:spLocks noChangeArrowheads="1"/>
+            <a:spLocks noGrp="1" noChangeArrowheads="1"/>
           </p:cNvSpPr>
           <p:nvPr>
             <p:ph type="ftr" sz="quarter" idx="3"/>
@@ -3418,7 +3424,7 @@
         <p:nvSpPr>
           <p:cNvPr id="1032" name="Rectangle 8"/>
           <p:cNvSpPr>
-            <a:spLocks noChangeArrowheads="1"/>
+            <a:spLocks noGrp="1" noChangeArrowheads="1"/>
           </p:cNvSpPr>
           <p:nvPr>
             <p:ph type="sldNum" sz="quarter" idx="4"/>
@@ -3476,6 +3482,7 @@
           <a:p>
             <a:fld id="{9B618960-8005-486C-9A75-10CB2AAC16F9}" type="slidenum">
               <a:rPr lang="en-US" smtClean="0"/>
+              <a:t>‹#›</a:t>
             </a:fld>
             <a:endParaRPr lang="en-US"/>
           </a:p>
@@ -4121,7 +4128,14 @@
         <p:cNvGrpSpPr/>
         <p:nvPr/>
       </p:nvGrpSpPr>
-      <p:grpSpPr/>
+      <p:grpSpPr>
+        <a:xfrm>
+          <a:off x="0" y="0"/>
+          <a:ext cx="0" cy="0"/>
+          <a:chOff x="0" y="0"/>
+          <a:chExt cx="0" cy="0"/>
+        </a:xfrm>
+      </p:grpSpPr>
       <p:sp>
         <p:nvSpPr>
           <p:cNvPr id="2" name="Title 1"/>
@@ -4140,9 +4154,10 @@
         </p:spPr>
         <p:txBody>
           <a:bodyPr/>
-          <a:p>
-            <a:r>
-              <a:rPr lang="en-US" sz="4800">
+          <a:lstStyle/>
+          <a:p>
+            <a:r>
+              <a:rPr lang="en-US" sz="4800" dirty="0">
                 <a:ln/>
                 <a:solidFill>
                   <a:schemeClr val="tx1"/>
@@ -4157,19 +4172,6 @@
               </a:rPr>
               <a:t>Boosting Algorithm</a:t>
             </a:r>
-            <a:endParaRPr lang="en-US" sz="4800">
-              <a:ln/>
-              <a:solidFill>
-                <a:schemeClr val="tx1"/>
-              </a:solidFill>
-              <a:effectLst>
-                <a:outerShdw blurRad="38100" dist="19050" dir="2700000" algn="tl" rotWithShape="0">
-                  <a:schemeClr val="dk1">
-                    <a:alpha val="40000"/>
-                  </a:schemeClr>
-                </a:outerShdw>
-              </a:effectLst>
-            </a:endParaRPr>
           </a:p>
         </p:txBody>
       </p:sp>
@@ -4358,10 +4360,13 @@
           </a:lstStyle>
           <a:p>
             <a:r>
-              <a:rPr lang="en-US"/>
-              <a:t>Thanigaivel G</a:t>
-            </a:r>
-            <a:endParaRPr lang="en-US"/>
+              <a:rPr lang="en-US" dirty="0" err="1"/>
+              <a:t>Thanigaivel</a:t>
+            </a:r>
+            <a:r>
+              <a:rPr lang="en-US" dirty="0"/>
+              <a:t> G</a:t>
+            </a:r>
           </a:p>
         </p:txBody>
       </p:sp>
@@ -4528,7 +4533,7 @@
           </a:lstStyle>
           <a:p>
             <a:r>
-              <a:rPr lang="en-US" sz="5400">
+              <a:rPr lang="en-US" sz="5400" dirty="0">
                 <a:solidFill>
                   <a:schemeClr val="tx1"/>
                 </a:solidFill>
@@ -4542,18 +4547,6 @@
               </a:rPr>
               <a:t>Hope AI</a:t>
             </a:r>
-            <a:endParaRPr lang="en-US" sz="5400">
-              <a:solidFill>
-                <a:schemeClr val="tx1"/>
-              </a:solidFill>
-              <a:effectLst>
-                <a:outerShdw blurRad="38100" dist="19050" dir="2700000" algn="tl" rotWithShape="0">
-                  <a:schemeClr val="dk1">
-                    <a:alpha val="40000"/>
-                  </a:schemeClr>
-                </a:outerShdw>
-              </a:effectLst>
-            </a:endParaRPr>
           </a:p>
         </p:txBody>
       </p:sp>
@@ -4574,7 +4567,14 @@
         <p:cNvGrpSpPr/>
         <p:nvPr/>
       </p:nvGrpSpPr>
-      <p:grpSpPr/>
+      <p:grpSpPr>
+        <a:xfrm>
+          <a:off x="0" y="0"/>
+          <a:ext cx="0" cy="0"/>
+          <a:chOff x="0" y="0"/>
+          <a:chExt cx="0" cy="0"/>
+        </a:xfrm>
+      </p:grpSpPr>
       <p:sp>
         <p:nvSpPr>
           <p:cNvPr id="2" name="Title 1"/>
@@ -4588,12 +4588,12 @@
         <p:spPr/>
         <p:txBody>
           <a:bodyPr/>
-          <a:p>
-            <a:r>
-              <a:rPr lang="en-US"/>
+          <a:lstStyle/>
+          <a:p>
+            <a:r>
+              <a:rPr lang="en-US" sz="4000" dirty="0"/>
               <a:t>Boosting Algorithm</a:t>
             </a:r>
-            <a:endParaRPr lang="en-US"/>
           </a:p>
         </p:txBody>
       </p:sp>
@@ -4601,14 +4601,14 @@
         <p:nvPicPr>
           <p:cNvPr id="4" name="Content Placeholder 3" descr="boosting1"/>
           <p:cNvPicPr>
-            <a:picLocks noChangeAspect="1"/>
+            <a:picLocks noGrp="1" noChangeAspect="1"/>
           </p:cNvPicPr>
           <p:nvPr>
             <p:ph idx="1"/>
           </p:nvPr>
         </p:nvPicPr>
         <p:blipFill>
-          <a:blip r:embed="rId1"/>
+          <a:blip r:embed="rId2"/>
           <a:stretch>
             <a:fillRect/>
           </a:stretch>
@@ -4643,12 +4643,12 @@
           <a:bodyPr wrap="square" rtlCol="0">
             <a:spAutoFit/>
           </a:bodyPr>
+          <a:lstStyle/>
           <a:p>
             <a:r>
               <a:rPr lang="en-US"/>
               <a:t>Boosting Algorithm Builds a Model by combining the outputs of several weak models</a:t>
             </a:r>
-            <a:endParaRPr lang="en-US"/>
           </a:p>
         </p:txBody>
       </p:sp>
@@ -4669,7 +4669,14 @@
         <p:cNvGrpSpPr/>
         <p:nvPr/>
       </p:nvGrpSpPr>
-      <p:grpSpPr/>
+      <p:grpSpPr>
+        <a:xfrm>
+          <a:off x="0" y="0"/>
+          <a:ext cx="0" cy="0"/>
+          <a:chOff x="0" y="0"/>
+          <a:chExt cx="0" cy="0"/>
+        </a:xfrm>
+      </p:grpSpPr>
       <p:sp>
         <p:nvSpPr>
           <p:cNvPr id="2" name="Title 1"/>
@@ -4683,12 +4690,12 @@
         <p:spPr/>
         <p:txBody>
           <a:bodyPr/>
-          <a:p>
-            <a:r>
-              <a:rPr lang="en-US"/>
+          <a:lstStyle/>
+          <a:p>
+            <a:r>
+              <a:rPr lang="en-US" sz="4000" dirty="0"/>
               <a:t>Pros and Cons of Boosting Algorithm</a:t>
             </a:r>
-            <a:endParaRPr lang="en-US"/>
           </a:p>
         </p:txBody>
       </p:sp>
@@ -4710,15 +4717,16 @@
         </p:spPr>
         <p:txBody>
           <a:bodyPr/>
+          <a:lstStyle/>
           <a:p>
             <a:pPr marL="0" indent="0">
               <a:buNone/>
             </a:pPr>
             <a:r>
-              <a:rPr lang="en-US" sz="2200" u="sng"/>
+              <a:rPr lang="en-US" sz="2200" u="sng" dirty="0"/>
               <a:t>Advantages :</a:t>
             </a:r>
-            <a:endParaRPr lang="en-US" sz="2800"/>
+            <a:endParaRPr lang="en-US" sz="2800" dirty="0"/>
           </a:p>
           <a:p>
             <a:pPr>
@@ -4727,10 +4735,9 @@
               </a:lnSpc>
             </a:pPr>
             <a:r>
-              <a:rPr lang="en-US" sz="2000"/>
+              <a:rPr lang="en-US" sz="2000" dirty="0"/>
               <a:t>Improved Accuracy</a:t>
             </a:r>
-            <a:endParaRPr lang="en-US" sz="2000"/>
           </a:p>
           <a:p>
             <a:pPr>
@@ -4739,10 +4746,9 @@
               </a:lnSpc>
             </a:pPr>
             <a:r>
-              <a:rPr lang="en-US" sz="2000"/>
+              <a:rPr lang="en-US" sz="2000" dirty="0"/>
               <a:t>Robustness to Overfitting</a:t>
             </a:r>
-            <a:endParaRPr lang="en-US" sz="2000"/>
           </a:p>
           <a:p>
             <a:pPr>
@@ -4751,10 +4757,9 @@
               </a:lnSpc>
             </a:pPr>
             <a:r>
-              <a:rPr lang="en-US" sz="2000"/>
+              <a:rPr lang="en-US" sz="2000" dirty="0"/>
               <a:t>Better Handling of Imbalanced Data</a:t>
             </a:r>
-            <a:endParaRPr lang="en-US" sz="2000"/>
           </a:p>
           <a:p>
             <a:pPr>
@@ -4763,16 +4768,15 @@
               </a:lnSpc>
             </a:pPr>
             <a:r>
-              <a:rPr lang="en-US" sz="2000"/>
+              <a:rPr lang="en-US" sz="2000" dirty="0"/>
               <a:t>Better Interpretability</a:t>
             </a:r>
-            <a:endParaRPr lang="en-US" sz="2000"/>
           </a:p>
           <a:p>
             <a:pPr marL="0" indent="0">
               <a:buNone/>
             </a:pPr>
-            <a:endParaRPr lang="en-US" sz="2000"/>
+            <a:endParaRPr lang="en-US" sz="2000" dirty="0"/>
           </a:p>
         </p:txBody>
       </p:sp>
@@ -4963,10 +4967,10 @@
               <a:buNone/>
             </a:pPr>
             <a:r>
-              <a:rPr lang="en-US" sz="2200" u="sng"/>
+              <a:rPr lang="en-US" sz="2200" u="sng" dirty="0"/>
               <a:t>Disadvantages :</a:t>
             </a:r>
-            <a:endParaRPr lang="en-US" sz="2800"/>
+            <a:endParaRPr lang="en-US" sz="2800" dirty="0"/>
           </a:p>
           <a:p>
             <a:pPr>
@@ -4975,10 +4979,9 @@
               </a:lnSpc>
             </a:pPr>
             <a:r>
-              <a:rPr lang="en-US" sz="2000"/>
+              <a:rPr lang="en-US" sz="2000" dirty="0"/>
               <a:t>Boosting Algorithms are vulnerable to the outliers </a:t>
             </a:r>
-            <a:endParaRPr lang="en-US" sz="2000"/>
           </a:p>
           <a:p>
             <a:pPr>
@@ -4987,10 +4990,9 @@
               </a:lnSpc>
             </a:pPr>
             <a:r>
-              <a:rPr lang="en-US" sz="2000"/>
+              <a:rPr lang="en-US" sz="2000" dirty="0"/>
               <a:t>It is difficult to use boosting algorithms for Real-Time applications.</a:t>
             </a:r>
-            <a:endParaRPr lang="en-US" sz="2000"/>
           </a:p>
           <a:p>
             <a:pPr>
@@ -4999,10 +5001,9 @@
               </a:lnSpc>
             </a:pPr>
             <a:r>
-              <a:rPr lang="en-US" sz="2000"/>
+              <a:rPr lang="en-US" sz="2000" dirty="0"/>
               <a:t>It is computationally expensive for large datasets</a:t>
             </a:r>
-            <a:endParaRPr lang="en-US" sz="2000"/>
           </a:p>
         </p:txBody>
       </p:sp>
@@ -5023,7 +5024,14 @@
         <p:cNvGrpSpPr/>
         <p:nvPr/>
       </p:nvGrpSpPr>
-      <p:grpSpPr/>
+      <p:grpSpPr>
+        <a:xfrm>
+          <a:off x="0" y="0"/>
+          <a:ext cx="0" cy="0"/>
+          <a:chOff x="0" y="0"/>
+          <a:chExt cx="0" cy="0"/>
+        </a:xfrm>
+      </p:grpSpPr>
       <p:sp>
         <p:nvSpPr>
           <p:cNvPr id="2" name="Title 1"/>
@@ -5037,9 +5045,10 @@
         <p:spPr/>
         <p:txBody>
           <a:bodyPr/>
-          <a:p>
-            <a:r>
-              <a:rPr lang="en-US">
+          <a:lstStyle/>
+          <a:p>
+            <a:r>
+              <a:rPr lang="en-US" sz="4000" dirty="0">
                 <a:ln/>
                 <a:solidFill>
                   <a:schemeClr val="tx1"/>
@@ -5054,19 +5063,6 @@
               </a:rPr>
               <a:t>Types of Boosting Algorithm</a:t>
             </a:r>
-            <a:endParaRPr lang="en-US">
-              <a:ln/>
-              <a:solidFill>
-                <a:schemeClr val="tx1"/>
-              </a:solidFill>
-              <a:effectLst>
-                <a:outerShdw blurRad="38100" dist="19050" dir="2700000" algn="tl" rotWithShape="0">
-                  <a:schemeClr val="dk1">
-                    <a:alpha val="40000"/>
-                  </a:schemeClr>
-                </a:outerShdw>
-              </a:effectLst>
-            </a:endParaRPr>
           </a:p>
         </p:txBody>
       </p:sp>
@@ -5088,6 +5084,7 @@
         </p:spPr>
         <p:txBody>
           <a:bodyPr/>
+          <a:lstStyle/>
           <a:p>
             <a:pPr>
               <a:lnSpc>
@@ -5095,10 +5092,9 @@
               </a:lnSpc>
             </a:pPr>
             <a:r>
-              <a:rPr lang="en-US" sz="3000"/>
+              <a:rPr lang="en-US" sz="2800" dirty="0"/>
               <a:t>Gradient Boosting	</a:t>
             </a:r>
-            <a:endParaRPr lang="en-US" sz="3000"/>
           </a:p>
           <a:p>
             <a:pPr>
@@ -5107,10 +5103,10 @@
               </a:lnSpc>
             </a:pPr>
             <a:r>
-              <a:rPr lang="en-US" sz="3000"/>
+              <a:rPr lang="en-US" sz="2800" dirty="0" err="1"/>
               <a:t>XGBoost</a:t>
             </a:r>
-            <a:endParaRPr lang="en-US" sz="3000"/>
+            <a:endParaRPr lang="en-US" sz="2800" dirty="0"/>
           </a:p>
           <a:p>
             <a:pPr>
@@ -5119,10 +5115,9 @@
               </a:lnSpc>
             </a:pPr>
             <a:r>
-              <a:rPr lang="en-US" sz="3000"/>
+              <a:rPr lang="en-US" sz="2800" dirty="0"/>
               <a:t>AdaBoost</a:t>
             </a:r>
-            <a:endParaRPr lang="en-US" sz="3000"/>
           </a:p>
           <a:p>
             <a:pPr>
@@ -5131,10 +5126,10 @@
               </a:lnSpc>
             </a:pPr>
             <a:r>
-              <a:rPr lang="en-US" sz="3000"/>
+              <a:rPr lang="en-US" sz="2800" dirty="0" err="1"/>
               <a:t>CatBoost</a:t>
             </a:r>
-            <a:endParaRPr lang="en-US" sz="3000"/>
+            <a:endParaRPr lang="en-US" sz="2800" dirty="0"/>
           </a:p>
         </p:txBody>
       </p:sp>
@@ -5325,10 +5320,9 @@
               <a:buNone/>
             </a:pPr>
             <a:r>
-              <a:rPr lang="en-US" sz="2800"/>
+              <a:rPr lang="en-US" sz="2400" dirty="0"/>
               <a:t>There are several types of boosting algorithm available, they are </a:t>
             </a:r>
-            <a:endParaRPr lang="en-US" sz="2800"/>
           </a:p>
         </p:txBody>
       </p:sp>
@@ -5349,7 +5343,14 @@
         <p:cNvGrpSpPr/>
         <p:nvPr/>
       </p:nvGrpSpPr>
-      <p:grpSpPr/>
+      <p:grpSpPr>
+        <a:xfrm>
+          <a:off x="0" y="0"/>
+          <a:ext cx="0" cy="0"/>
+          <a:chOff x="0" y="0"/>
+          <a:chExt cx="0" cy="0"/>
+        </a:xfrm>
+      </p:grpSpPr>
       <p:sp>
         <p:nvSpPr>
           <p:cNvPr id="2" name="Title 1"/>
@@ -5363,12 +5364,12 @@
         <p:spPr/>
         <p:txBody>
           <a:bodyPr/>
-          <a:p>
-            <a:r>
-              <a:rPr lang="en-US"/>
+          <a:lstStyle/>
+          <a:p>
+            <a:r>
+              <a:rPr lang="en-US" sz="4000" dirty="0"/>
               <a:t>Gradient Boosting</a:t>
             </a:r>
-            <a:endParaRPr lang="en-US"/>
           </a:p>
         </p:txBody>
       </p:sp>
@@ -5390,6 +5391,7 @@
         </p:spPr>
         <p:txBody>
           <a:bodyPr/>
+          <a:lstStyle/>
           <a:p>
             <a:pPr marL="0" indent="0">
               <a:lnSpc>
@@ -5398,10 +5400,17 @@
               <a:buNone/>
             </a:pPr>
             <a:r>
-              <a:rPr lang="en-US" sz="1600"/>
-              <a:t>Gradient Boosting is a machine learning technique used for regression and classification tasks and it is a ensemble learning method that sequentially adds models to correct errors made by previous models</a:t>
-            </a:r>
-            <a:endParaRPr lang="en-US" sz="1600"/>
+              <a:rPr lang="en-US" sz="1600" dirty="0"/>
+              <a:t>Gradient Boosting is a machine learning technique used for regression and classification tasks and it is an ensemble learning method that </a:t>
+            </a:r>
+            <a:r>
+              <a:rPr lang="en-US" sz="1600" b="1" dirty="0"/>
+              <a:t>sequentially adds models to correct errors </a:t>
+            </a:r>
+            <a:r>
+              <a:rPr lang="en-US" sz="1600" dirty="0"/>
+              <a:t>made by previous models</a:t>
+            </a:r>
           </a:p>
         </p:txBody>
       </p:sp>
@@ -5414,7 +5423,7 @@
           <p:nvPr/>
         </p:nvPicPr>
         <p:blipFill>
-          <a:blip r:embed="rId1"/>
+          <a:blip r:embed="rId2"/>
           <a:srcRect r="42407"/>
           <a:stretch>
             <a:fillRect/>
@@ -5447,7 +5456,14 @@
         <p:cNvGrpSpPr/>
         <p:nvPr/>
       </p:nvGrpSpPr>
-      <p:grpSpPr/>
+      <p:grpSpPr>
+        <a:xfrm>
+          <a:off x="0" y="0"/>
+          <a:ext cx="0" cy="0"/>
+          <a:chOff x="0" y="0"/>
+          <a:chExt cx="0" cy="0"/>
+        </a:xfrm>
+      </p:grpSpPr>
       <p:sp>
         <p:nvSpPr>
           <p:cNvPr id="2" name="Title 1"/>
@@ -5461,12 +5477,16 @@
         <p:spPr/>
         <p:txBody>
           <a:bodyPr/>
-          <a:p>
-            <a:r>
-              <a:rPr lang="en-US"/>
-              <a:t>XGBoost Algorithm</a:t>
-            </a:r>
-            <a:endParaRPr lang="en-US"/>
+          <a:lstStyle/>
+          <a:p>
+            <a:r>
+              <a:rPr lang="en-US" sz="4000" dirty="0" err="1"/>
+              <a:t>XGBoost</a:t>
+            </a:r>
+            <a:r>
+              <a:rPr lang="en-US" sz="4000" dirty="0"/>
+              <a:t> Algorithm</a:t>
+            </a:r>
           </a:p>
         </p:txBody>
       </p:sp>
@@ -5488,6 +5508,7 @@
         </p:spPr>
         <p:txBody>
           <a:bodyPr/>
+          <a:lstStyle/>
           <a:p>
             <a:pPr marL="0" indent="0">
               <a:lnSpc>
@@ -5496,10 +5517,21 @@
               <a:buNone/>
             </a:pPr>
             <a:r>
-              <a:rPr lang="en-US" sz="1600"/>
-              <a:t>XGBoost (Extreme Gradient Boosting) is an advanced implementation of the gradient boosting technique which combines multiple weak learners to improve prediction accuracy by correcting the errors of previous models, utilizing gradient descent optimization to minimize a loss function</a:t>
-            </a:r>
-            <a:endParaRPr lang="en-US" sz="1600"/>
+              <a:rPr lang="en-US" sz="1600" dirty="0" err="1"/>
+              <a:t>XGBoost</a:t>
+            </a:r>
+            <a:r>
+              <a:rPr lang="en-US" sz="1600" dirty="0"/>
+              <a:t> (Extreme Gradient Boosting) is an advanced implementation of the gradient boosting technique which combines </a:t>
+            </a:r>
+            <a:r>
+              <a:rPr lang="en-US" sz="1600" b="1" dirty="0"/>
+              <a:t>multiple weak learners to improve prediction accuracy </a:t>
+            </a:r>
+            <a:r>
+              <a:rPr lang="en-US" sz="1600" dirty="0"/>
+              <a:t>by correcting the errors of previous models, utilizing gradient descent optimization to minimize a loss function</a:t>
+            </a:r>
           </a:p>
           <a:p>
             <a:pPr>
@@ -5507,7 +5539,7 @@
                 <a:spcPct val="150000"/>
               </a:lnSpc>
             </a:pPr>
-            <a:endParaRPr lang="en-US" sz="1600"/>
+            <a:endParaRPr lang="en-US" sz="1600" dirty="0"/>
           </a:p>
         </p:txBody>
       </p:sp>
@@ -5520,7 +5552,7 @@
           <p:nvPr/>
         </p:nvPicPr>
         <p:blipFill>
-          <a:blip r:embed="rId1"/>
+          <a:blip r:embed="rId2"/>
           <a:stretch>
             <a:fillRect/>
           </a:stretch>
@@ -5552,7 +5584,14 @@
         <p:cNvGrpSpPr/>
         <p:nvPr/>
       </p:nvGrpSpPr>
-      <p:grpSpPr/>
+      <p:grpSpPr>
+        <a:xfrm>
+          <a:off x="0" y="0"/>
+          <a:ext cx="0" cy="0"/>
+          <a:chOff x="0" y="0"/>
+          <a:chExt cx="0" cy="0"/>
+        </a:xfrm>
+      </p:grpSpPr>
       <p:sp>
         <p:nvSpPr>
           <p:cNvPr id="2" name="Title 1"/>
@@ -5566,12 +5605,16 @@
         <p:spPr/>
         <p:txBody>
           <a:bodyPr/>
-          <a:p>
-            <a:r>
-              <a:rPr lang="en-US"/>
-              <a:t>Adaboosting Algorithm</a:t>
-            </a:r>
-            <a:endParaRPr lang="en-US"/>
+          <a:lstStyle/>
+          <a:p>
+            <a:r>
+              <a:rPr lang="en-US" sz="4000" dirty="0" err="1"/>
+              <a:t>Adaboosting</a:t>
+            </a:r>
+            <a:r>
+              <a:rPr lang="en-US" sz="4000" dirty="0"/>
+              <a:t> Algorithm</a:t>
+            </a:r>
           </a:p>
         </p:txBody>
       </p:sp>
@@ -5579,14 +5622,14 @@
         <p:nvPicPr>
           <p:cNvPr id="4" name="Content Placeholder 3" descr="boosting7"/>
           <p:cNvPicPr>
-            <a:picLocks noChangeAspect="1"/>
+            <a:picLocks noGrp="1" noChangeAspect="1"/>
           </p:cNvPicPr>
           <p:nvPr>
             <p:ph idx="1"/>
           </p:nvPr>
         </p:nvPicPr>
         <p:blipFill>
-          <a:blip r:embed="rId1"/>
+          <a:blip r:embed="rId2"/>
           <a:stretch>
             <a:fillRect/>
           </a:stretch>
@@ -5791,10 +5834,29 @@
               <a:buNone/>
             </a:pPr>
             <a:r>
-              <a:rPr lang="en-US" sz="1600"/>
-              <a:t>Adaboosting is a ensemble learning method that works by iteratively training weak models, adjusting the weights of incorrectly classified instances to focus on harder cases in subsequent iterations. The final model is a weighted sum of all the weak models, with more weight given to those that performed well.</a:t>
-            </a:r>
-            <a:endParaRPr lang="en-US" sz="1600"/>
+              <a:rPr lang="en-US" sz="1600" dirty="0" err="1"/>
+              <a:t>Adaboosting</a:t>
+            </a:r>
+            <a:r>
+              <a:rPr lang="en-US" sz="1600" dirty="0"/>
+              <a:t> is an ensemble learning method that works by iteratively training weak models, </a:t>
+            </a:r>
+            <a:r>
+              <a:rPr lang="en-US" sz="1600" b="1" dirty="0"/>
+              <a:t>adjusting the weights </a:t>
+            </a:r>
+            <a:r>
+              <a:rPr lang="en-US" sz="1600" dirty="0"/>
+              <a:t>of incorrectly classified instances to focus on harder cases in subsequent iterations. The final model is a </a:t>
+            </a:r>
+            <a:r>
+              <a:rPr lang="en-US" sz="1600" b="1" dirty="0"/>
+              <a:t>weighted sum </a:t>
+            </a:r>
+            <a:r>
+              <a:rPr lang="en-US" sz="1600" dirty="0"/>
+              <a:t>of all the weak models, with more weight given to those that performed well.</a:t>
+            </a:r>
           </a:p>
         </p:txBody>
       </p:sp>
@@ -5815,7 +5877,14 @@
         <p:cNvGrpSpPr/>
         <p:nvPr/>
       </p:nvGrpSpPr>
-      <p:grpSpPr/>
+      <p:grpSpPr>
+        <a:xfrm>
+          <a:off x="0" y="0"/>
+          <a:ext cx="0" cy="0"/>
+          <a:chOff x="0" y="0"/>
+          <a:chExt cx="0" cy="0"/>
+        </a:xfrm>
+      </p:grpSpPr>
       <p:sp>
         <p:nvSpPr>
           <p:cNvPr id="2" name="Title 1"/>
@@ -5829,12 +5898,12 @@
         <p:spPr/>
         <p:txBody>
           <a:bodyPr/>
+          <a:lstStyle/>
           <a:p>
             <a:r>
               <a:rPr lang="en-US"/>
               <a:t>Catboosting Algorithm</a:t>
             </a:r>
-            <a:endParaRPr lang="en-US"/>
           </a:p>
         </p:txBody>
       </p:sp>
@@ -5847,7 +5916,7 @@
           <p:nvPr/>
         </p:nvPicPr>
         <p:blipFill>
-          <a:blip r:embed="rId1"/>
+          <a:blip r:embed="rId2"/>
           <a:stretch>
             <a:fillRect/>
           </a:stretch>
@@ -6052,10 +6121,21 @@
               <a:buNone/>
             </a:pPr>
             <a:r>
-              <a:rPr lang="en-US" sz="1400"/>
-              <a:t>CatBoost is a gradient boosting algorithm for handling categorical features effectively, it uses ordered boosting to reduce overfitting and provides robust handling of categorical features, making it a powerful tool for various machine learning tasks.</a:t>
-            </a:r>
-            <a:endParaRPr lang="en-US" sz="1400"/>
+              <a:rPr lang="en-US" sz="1400" dirty="0" err="1"/>
+              <a:t>CatBoost</a:t>
+            </a:r>
+            <a:r>
+              <a:rPr lang="en-US" sz="1400" dirty="0"/>
+              <a:t> is a gradient boosting algorithm for handling </a:t>
+            </a:r>
+            <a:r>
+              <a:rPr lang="en-US" sz="1400" b="1" dirty="0"/>
+              <a:t>categorical features </a:t>
+            </a:r>
+            <a:r>
+              <a:rPr lang="en-US" sz="1400" dirty="0"/>
+              <a:t>effectively, it uses ordered boosting to reduce overfitting and provides robust handling of categorical features, making it a powerful tool for various machine learning tasks.</a:t>
+            </a:r>
           </a:p>
         </p:txBody>
       </p:sp>
@@ -7143,6 +7223,8 @@
       </a:bgFillStyleLst>
     </a:fmtScheme>
   </a:themeElements>
+  <a:objectDefaults/>
+  <a:extraClrSchemeLst/>
   <a:extLst>
     <a:ext uri="{05A4C25C-085E-4340-85A3-A5531E510DB2}">
       <thm15:themeFamily xmlns:thm15="http://schemas.microsoft.com/office/thememl/2012/main" name="Office Theme" id="{62F939B6-93AF-4DB8-9C6B-D6C7DFDC589F}" vid="{4A3C46E8-61CC-4603-A589-7422A47A8E4A}"/>
